--- a/docs/diagrams/UndoRedoStartingStateListDiagram.pptx
+++ b/docs/diagrams/UndoRedoStartingStateListDiagram.pptx
@@ -112,10 +112,6 @@
 </p:presentation>
 </file>
 
-<file path=ppt/revisionInfo.xml><?xml version="1.0" encoding="utf-8"?>
-<p1510:revInfo xmlns:a="http://schemas.openxmlformats.org/drawingml/2006/main" xmlns:r="http://schemas.openxmlformats.org/officeDocument/2006/relationships" xmlns:p1510="http://schemas.microsoft.com/office/powerpoint/2015/10/main"/>
-</file>
-
 <file path=ppt/slideLayouts/slideLayout1.xml><?xml version="1.0" encoding="utf-8"?>
 <p:sldLayout xmlns:a="http://schemas.openxmlformats.org/drawingml/2006/main" xmlns:r="http://schemas.openxmlformats.org/officeDocument/2006/relationships" xmlns:p="http://schemas.openxmlformats.org/presentationml/2006/main" type="title" preserve="1">
   <p:cSld name="Title Slide">
@@ -245,7 +241,7 @@
           <a:p>
             <a:fld id="{8B2F8DF3-7CFE-4C7E-A62E-FD00A81FB0CD}" type="datetimeFigureOut">
               <a:rPr lang="en-US" smtClean="0"/>
-              <a:t>7/6/2018</a:t>
+              <a:t>3/31/2019</a:t>
             </a:fld>
             <a:endParaRPr lang="en-US"/>
           </a:p>
@@ -413,7 +409,7 @@
           <a:p>
             <a:fld id="{8B2F8DF3-7CFE-4C7E-A62E-FD00A81FB0CD}" type="datetimeFigureOut">
               <a:rPr lang="en-US" smtClean="0"/>
-              <a:t>7/6/2018</a:t>
+              <a:t>3/31/2019</a:t>
             </a:fld>
             <a:endParaRPr lang="en-US"/>
           </a:p>
@@ -591,7 +587,7 @@
           <a:p>
             <a:fld id="{8B2F8DF3-7CFE-4C7E-A62E-FD00A81FB0CD}" type="datetimeFigureOut">
               <a:rPr lang="en-US" smtClean="0"/>
-              <a:t>7/6/2018</a:t>
+              <a:t>3/31/2019</a:t>
             </a:fld>
             <a:endParaRPr lang="en-US"/>
           </a:p>
@@ -759,7 +755,7 @@
           <a:p>
             <a:fld id="{8B2F8DF3-7CFE-4C7E-A62E-FD00A81FB0CD}" type="datetimeFigureOut">
               <a:rPr lang="en-US" smtClean="0"/>
-              <a:t>7/6/2018</a:t>
+              <a:t>3/31/2019</a:t>
             </a:fld>
             <a:endParaRPr lang="en-US"/>
           </a:p>
@@ -1004,7 +1000,7 @@
           <a:p>
             <a:fld id="{8B2F8DF3-7CFE-4C7E-A62E-FD00A81FB0CD}" type="datetimeFigureOut">
               <a:rPr lang="en-US" smtClean="0"/>
-              <a:t>7/6/2018</a:t>
+              <a:t>3/31/2019</a:t>
             </a:fld>
             <a:endParaRPr lang="en-US"/>
           </a:p>
@@ -1233,7 +1229,7 @@
           <a:p>
             <a:fld id="{8B2F8DF3-7CFE-4C7E-A62E-FD00A81FB0CD}" type="datetimeFigureOut">
               <a:rPr lang="en-US" smtClean="0"/>
-              <a:t>7/6/2018</a:t>
+              <a:t>3/31/2019</a:t>
             </a:fld>
             <a:endParaRPr lang="en-US"/>
           </a:p>
@@ -1597,7 +1593,7 @@
           <a:p>
             <a:fld id="{8B2F8DF3-7CFE-4C7E-A62E-FD00A81FB0CD}" type="datetimeFigureOut">
               <a:rPr lang="en-US" smtClean="0"/>
-              <a:t>7/6/2018</a:t>
+              <a:t>3/31/2019</a:t>
             </a:fld>
             <a:endParaRPr lang="en-US"/>
           </a:p>
@@ -1714,7 +1710,7 @@
           <a:p>
             <a:fld id="{8B2F8DF3-7CFE-4C7E-A62E-FD00A81FB0CD}" type="datetimeFigureOut">
               <a:rPr lang="en-US" smtClean="0"/>
-              <a:t>7/6/2018</a:t>
+              <a:t>3/31/2019</a:t>
             </a:fld>
             <a:endParaRPr lang="en-US"/>
           </a:p>
@@ -1809,7 +1805,7 @@
           <a:p>
             <a:fld id="{8B2F8DF3-7CFE-4C7E-A62E-FD00A81FB0CD}" type="datetimeFigureOut">
               <a:rPr lang="en-US" smtClean="0"/>
-              <a:t>7/6/2018</a:t>
+              <a:t>3/31/2019</a:t>
             </a:fld>
             <a:endParaRPr lang="en-US"/>
           </a:p>
@@ -2084,7 +2080,7 @@
           <a:p>
             <a:fld id="{8B2F8DF3-7CFE-4C7E-A62E-FD00A81FB0CD}" type="datetimeFigureOut">
               <a:rPr lang="en-US" smtClean="0"/>
-              <a:t>7/6/2018</a:t>
+              <a:t>3/31/2019</a:t>
             </a:fld>
             <a:endParaRPr lang="en-US"/>
           </a:p>
@@ -2336,7 +2332,7 @@
           <a:p>
             <a:fld id="{8B2F8DF3-7CFE-4C7E-A62E-FD00A81FB0CD}" type="datetimeFigureOut">
               <a:rPr lang="en-US" smtClean="0"/>
-              <a:t>7/6/2018</a:t>
+              <a:t>3/31/2019</a:t>
             </a:fld>
             <a:endParaRPr lang="en-US"/>
           </a:p>
@@ -2547,7 +2543,7 @@
           <a:p>
             <a:fld id="{8B2F8DF3-7CFE-4C7E-A62E-FD00A81FB0CD}" type="datetimeFigureOut">
               <a:rPr lang="en-US" smtClean="0"/>
-              <a:t>7/6/2018</a:t>
+              <a:t>3/31/2019</a:t>
             </a:fld>
             <a:endParaRPr lang="en-US"/>
           </a:p>
@@ -3011,14 +3007,14 @@
           <p:nvPr>
             <p:extLst>
               <p:ext uri="{D42A27DB-BD31-4B8C-83A1-F6EECF244321}">
-                <p14:modId xmlns:p14="http://schemas.microsoft.com/office/powerpoint/2010/main" val="1292556626"/>
+                <p14:modId xmlns:p14="http://schemas.microsoft.com/office/powerpoint/2010/main" val="3840892353"/>
               </p:ext>
             </p:extLst>
           </p:nvPr>
         </p:nvGraphicFramePr>
         <p:xfrm>
           <a:off x="637997" y="2769442"/>
-          <a:ext cx="1833356" cy="410363"/>
+          <a:ext cx="2038942" cy="410363"/>
         </p:xfrm>
         <a:graphic>
           <a:graphicData uri="http://schemas.openxmlformats.org/drawingml/2006/table">
@@ -3027,7 +3023,7 @@
                 <a:tableStyleId>{638B1855-1B75-4FBE-930C-398BA8C253C6}</a:tableStyleId>
               </a:tblPr>
               <a:tblGrid>
-                <a:gridCol w="1833356">
+                <a:gridCol w="2038942">
                   <a:extLst>
                     <a:ext uri="{9D8B030D-6E8A-4147-A177-3AD203B41FA5}">
                       <a16:colId xmlns:a16="http://schemas.microsoft.com/office/drawing/2014/main" val="4240773277"/>
@@ -3043,11 +3039,11 @@
                     <a:p>
                       <a:r>
                         <a:rPr lang="en-SG" u="sng" dirty="0"/>
-                        <a:t>ab0:</a:t>
+                        <a:t>pp0:</a:t>
                       </a:r>
                       <a:r>
                         <a:rPr lang="en-SG" sz="1800" u="sng" dirty="0"/>
-                        <a:t>AddressBook</a:t>
+                        <a:t>PocketProject</a:t>
                       </a:r>
                       <a:endParaRPr lang="en-SG" sz="1600" u="sng" dirty="0"/>
                     </a:p>
